--- a/_posts/ithome/2021/26.交叉驗證 K-fold Cross-Validation/26.交叉驗證 K-fold Cross-Validation.pptx
+++ b/_posts/ithome/2021/26.交叉驗證 K-fold Cross-Validation/26.交叉驗證 K-fold Cross-Validation.pptx
@@ -111,6 +111,11 @@
       </a:defRPr>
     </a:lvl9pPr>
   </p:defaultTextStyle>
+  <p:extLst>
+    <p:ext uri="{EFAFB233-063F-42B5-8137-9DF3F51BA10A}">
+      <p15:sldGuideLst xmlns:p15="http://schemas.microsoft.com/office/powerpoint/2012/main"/>
+    </p:ext>
+  </p:extLst>
 </p:presentation>
 </file>
 
@@ -196,7 +201,7 @@
           <a:p>
             <a:fld id="{B9B7F9DD-193C-4346-983A-57A8270F23EB}" type="datetimeFigureOut">
               <a:rPr lang="en-TW" smtClean="0"/>
-              <a:t>2021/10/8</a:t>
+              <a:t>2022/3/23</a:t>
             </a:fld>
             <a:endParaRPr lang="en-TW"/>
           </a:p>
@@ -1069,7 +1074,7 @@
           <a:p>
             <a:fld id="{12D03881-DB8B-F944-A6FC-FD6414CDB861}" type="datetimeFigureOut">
               <a:rPr lang="en-TW" smtClean="0"/>
-              <a:t>2021/10/8</a:t>
+              <a:t>2022/3/23</a:t>
             </a:fld>
             <a:endParaRPr lang="en-TW"/>
           </a:p>
@@ -1269,7 +1274,7 @@
           <a:p>
             <a:fld id="{12D03881-DB8B-F944-A6FC-FD6414CDB861}" type="datetimeFigureOut">
               <a:rPr lang="en-TW" smtClean="0"/>
-              <a:t>2021/10/8</a:t>
+              <a:t>2022/3/23</a:t>
             </a:fld>
             <a:endParaRPr lang="en-TW"/>
           </a:p>
@@ -1479,7 +1484,7 @@
           <a:p>
             <a:fld id="{12D03881-DB8B-F944-A6FC-FD6414CDB861}" type="datetimeFigureOut">
               <a:rPr lang="en-TW" smtClean="0"/>
-              <a:t>2021/10/8</a:t>
+              <a:t>2022/3/23</a:t>
             </a:fld>
             <a:endParaRPr lang="en-TW"/>
           </a:p>
@@ -1679,7 +1684,7 @@
           <a:p>
             <a:fld id="{12D03881-DB8B-F944-A6FC-FD6414CDB861}" type="datetimeFigureOut">
               <a:rPr lang="en-TW" smtClean="0"/>
-              <a:t>2021/10/8</a:t>
+              <a:t>2022/3/23</a:t>
             </a:fld>
             <a:endParaRPr lang="en-TW"/>
           </a:p>
@@ -1955,7 +1960,7 @@
           <a:p>
             <a:fld id="{12D03881-DB8B-F944-A6FC-FD6414CDB861}" type="datetimeFigureOut">
               <a:rPr lang="en-TW" smtClean="0"/>
-              <a:t>2021/10/8</a:t>
+              <a:t>2022/3/23</a:t>
             </a:fld>
             <a:endParaRPr lang="en-TW"/>
           </a:p>
@@ -2223,7 +2228,7 @@
           <a:p>
             <a:fld id="{12D03881-DB8B-F944-A6FC-FD6414CDB861}" type="datetimeFigureOut">
               <a:rPr lang="en-TW" smtClean="0"/>
-              <a:t>2021/10/8</a:t>
+              <a:t>2022/3/23</a:t>
             </a:fld>
             <a:endParaRPr lang="en-TW"/>
           </a:p>
@@ -2638,7 +2643,7 @@
           <a:p>
             <a:fld id="{12D03881-DB8B-F944-A6FC-FD6414CDB861}" type="datetimeFigureOut">
               <a:rPr lang="en-TW" smtClean="0"/>
-              <a:t>2021/10/8</a:t>
+              <a:t>2022/3/23</a:t>
             </a:fld>
             <a:endParaRPr lang="en-TW"/>
           </a:p>
@@ -2780,7 +2785,7 @@
           <a:p>
             <a:fld id="{12D03881-DB8B-F944-A6FC-FD6414CDB861}" type="datetimeFigureOut">
               <a:rPr lang="en-TW" smtClean="0"/>
-              <a:t>2021/10/8</a:t>
+              <a:t>2022/3/23</a:t>
             </a:fld>
             <a:endParaRPr lang="en-TW"/>
           </a:p>
@@ -2893,7 +2898,7 @@
           <a:p>
             <a:fld id="{12D03881-DB8B-F944-A6FC-FD6414CDB861}" type="datetimeFigureOut">
               <a:rPr lang="en-TW" smtClean="0"/>
-              <a:t>2021/10/8</a:t>
+              <a:t>2022/3/23</a:t>
             </a:fld>
             <a:endParaRPr lang="en-TW"/>
           </a:p>
@@ -3206,7 +3211,7 @@
           <a:p>
             <a:fld id="{12D03881-DB8B-F944-A6FC-FD6414CDB861}" type="datetimeFigureOut">
               <a:rPr lang="en-TW" smtClean="0"/>
-              <a:t>2021/10/8</a:t>
+              <a:t>2022/3/23</a:t>
             </a:fld>
             <a:endParaRPr lang="en-TW"/>
           </a:p>
@@ -3495,7 +3500,7 @@
           <a:p>
             <a:fld id="{12D03881-DB8B-F944-A6FC-FD6414CDB861}" type="datetimeFigureOut">
               <a:rPr lang="en-TW" smtClean="0"/>
-              <a:t>2021/10/8</a:t>
+              <a:t>2022/3/23</a:t>
             </a:fld>
             <a:endParaRPr lang="en-TW"/>
           </a:p>
@@ -3738,7 +3743,7 @@
           <a:p>
             <a:fld id="{12D03881-DB8B-F944-A6FC-FD6414CDB861}" type="datetimeFigureOut">
               <a:rPr lang="en-TW" smtClean="0"/>
-              <a:t>2021/10/8</a:t>
+              <a:t>2022/3/23</a:t>
             </a:fld>
             <a:endParaRPr lang="en-TW"/>
           </a:p>
@@ -7263,8 +7268,8 @@
           </a:fontRef>
         </p:style>
       </p:cxnSp>
-      <mc:AlternateContent xmlns:mc="http://schemas.openxmlformats.org/markup-compatibility/2006">
-        <mc:Choice xmlns:a14="http://schemas.microsoft.com/office/drawing/2010/main" Requires="a14">
+      <mc:AlternateContent xmlns:mc="http://schemas.openxmlformats.org/markup-compatibility/2006" xmlns:a14="http://schemas.microsoft.com/office/drawing/2010/main">
+        <mc:Choice Requires="a14">
           <p:sp>
             <p:nvSpPr>
               <p:cNvPr id="30" name="Rectangle 29">
@@ -7406,7 +7411,7 @@
             </p:txBody>
           </p:sp>
         </mc:Choice>
-        <mc:Fallback>
+        <mc:Fallback xmlns="">
           <p:sp>
             <p:nvSpPr>
               <p:cNvPr id="30" name="Rectangle 29">
@@ -7544,7 +7549,7 @@
         <p:spPr>
           <a:xfrm>
             <a:off x="8251779" y="5382908"/>
-            <a:ext cx="617477" cy="369332"/>
+            <a:ext cx="696024" cy="369332"/>
           </a:xfrm>
           <a:prstGeom prst="rect">
             <a:avLst/>
@@ -7562,7 +7567,7 @@
             </a:r>
             <a:r>
               <a:rPr lang="en-TW" baseline="-25000" dirty="0"/>
-              <a:t>4</a:t>
+              <a:t>10</a:t>
             </a:r>
             <a:endParaRPr lang="en-TW" dirty="0"/>
           </a:p>
@@ -7775,7 +7780,7 @@
               <a:effectLst/>
               <a:extLst>
                 <a:ext uri="{C572A759-6A51-4108-AA02-DFA0A04FC94B}">
-                  <ma14:wrappingTextBoxFlag xmlns="" xmlns:m="http://schemas.openxmlformats.org/officeDocument/2006/math" xmlns:a14="http://schemas.microsoft.com/office/drawing/2010/main" xmlns:ma14="http://schemas.microsoft.com/office/mac/drawingml/2011/main" val="1"/>
+                  <ma14:wrappingTextBoxFlag xmlns:ma14="http://schemas.microsoft.com/office/mac/drawingml/2011/main" xmlns:a14="http://schemas.microsoft.com/office/drawing/2010/main" xmlns:m="http://schemas.openxmlformats.org/officeDocument/2006/math" xmlns="" val="1"/>
                 </a:ext>
               </a:extLst>
             </p:spPr>
@@ -7968,7 +7973,7 @@
               <a:effectLst/>
               <a:extLst>
                 <a:ext uri="{C572A759-6A51-4108-AA02-DFA0A04FC94B}">
-                  <ma14:wrappingTextBoxFlag xmlns="" xmlns:m="http://schemas.openxmlformats.org/officeDocument/2006/math" xmlns:a14="http://schemas.microsoft.com/office/drawing/2010/main" xmlns:ma14="http://schemas.microsoft.com/office/mac/drawingml/2011/main" val="1"/>
+                  <ma14:wrappingTextBoxFlag xmlns:ma14="http://schemas.microsoft.com/office/mac/drawingml/2011/main" xmlns:a14="http://schemas.microsoft.com/office/drawing/2010/main" xmlns:m="http://schemas.openxmlformats.org/officeDocument/2006/math" xmlns="" val="1"/>
                 </a:ext>
               </a:extLst>
             </p:spPr>
@@ -8183,7 +8188,7 @@
               <a:effectLst/>
               <a:extLst>
                 <a:ext uri="{C572A759-6A51-4108-AA02-DFA0A04FC94B}">
-                  <ma14:wrappingTextBoxFlag xmlns="" xmlns:m="http://schemas.openxmlformats.org/officeDocument/2006/math" xmlns:a14="http://schemas.microsoft.com/office/drawing/2010/main" xmlns:ma14="http://schemas.microsoft.com/office/mac/drawingml/2011/main" val="1"/>
+                  <ma14:wrappingTextBoxFlag xmlns:ma14="http://schemas.microsoft.com/office/mac/drawingml/2011/main" xmlns:a14="http://schemas.microsoft.com/office/drawing/2010/main" xmlns:m="http://schemas.openxmlformats.org/officeDocument/2006/math" xmlns="" val="1"/>
                 </a:ext>
               </a:extLst>
             </p:spPr>
@@ -8252,6 +8257,53 @@
           </p:sp>
         </p:grpSp>
       </p:grpSp>
+      <p:sp>
+        <p:nvSpPr>
+          <p:cNvPr id="45" name="Rectangle 44">
+            <a:extLst>
+              <a:ext uri="{FF2B5EF4-FFF2-40B4-BE49-F238E27FC236}">
+                <a16:creationId xmlns:a16="http://schemas.microsoft.com/office/drawing/2014/main" id="{3E02B277-837D-284D-B8C6-005BC18171CF}"/>
+              </a:ext>
+            </a:extLst>
+          </p:cNvPr>
+          <p:cNvSpPr/>
+          <p:nvPr/>
+        </p:nvSpPr>
+        <p:spPr>
+          <a:xfrm>
+            <a:off x="7737141" y="4410088"/>
+            <a:ext cx="245580" cy="923330"/>
+          </a:xfrm>
+          <a:prstGeom prst="rect">
+            <a:avLst/>
+          </a:prstGeom>
+        </p:spPr>
+        <p:txBody>
+          <a:bodyPr wrap="none">
+            <a:spAutoFit/>
+          </a:bodyPr>
+          <a:lstStyle/>
+          <a:p>
+            <a:r>
+              <a:rPr lang="en-US" b="1" dirty="0"/>
+              <a:t>.</a:t>
+            </a:r>
+          </a:p>
+          <a:p>
+            <a:r>
+              <a:rPr lang="en-US" b="1" dirty="0"/>
+              <a:t>.</a:t>
+            </a:r>
+          </a:p>
+          <a:p>
+            <a:r>
+              <a:rPr lang="en-US" b="1" dirty="0"/>
+              <a:t>.</a:t>
+            </a:r>
+            <a:endParaRPr lang="en-TW" b="1" dirty="0"/>
+          </a:p>
+        </p:txBody>
+      </p:sp>
     </p:spTree>
     <p:extLst>
       <p:ext uri="{BB962C8B-B14F-4D97-AF65-F5344CB8AC3E}">
@@ -13807,7 +13859,7 @@
               <a:effectLst/>
               <a:extLst>
                 <a:ext uri="{C572A759-6A51-4108-AA02-DFA0A04FC94B}">
-                  <ma14:wrappingTextBoxFlag xmlns="" xmlns:m="http://schemas.openxmlformats.org/officeDocument/2006/math" xmlns:a14="http://schemas.microsoft.com/office/drawing/2010/main" xmlns:ma14="http://schemas.microsoft.com/office/mac/drawingml/2011/main" val="1"/>
+                  <ma14:wrappingTextBoxFlag xmlns:ma14="http://schemas.microsoft.com/office/mac/drawingml/2011/main" xmlns:a14="http://schemas.microsoft.com/office/drawing/2010/main" xmlns:m="http://schemas.openxmlformats.org/officeDocument/2006/math" xmlns="" val="1"/>
                 </a:ext>
               </a:extLst>
             </p:spPr>
@@ -14000,7 +14052,7 @@
               <a:effectLst/>
               <a:extLst>
                 <a:ext uri="{C572A759-6A51-4108-AA02-DFA0A04FC94B}">
-                  <ma14:wrappingTextBoxFlag xmlns="" xmlns:m="http://schemas.openxmlformats.org/officeDocument/2006/math" xmlns:a14="http://schemas.microsoft.com/office/drawing/2010/main" xmlns:ma14="http://schemas.microsoft.com/office/mac/drawingml/2011/main" val="1"/>
+                  <ma14:wrappingTextBoxFlag xmlns:ma14="http://schemas.microsoft.com/office/mac/drawingml/2011/main" xmlns:a14="http://schemas.microsoft.com/office/drawing/2010/main" xmlns:m="http://schemas.openxmlformats.org/officeDocument/2006/math" xmlns="" val="1"/>
                 </a:ext>
               </a:extLst>
             </p:spPr>
@@ -14215,7 +14267,7 @@
               <a:effectLst/>
               <a:extLst>
                 <a:ext uri="{C572A759-6A51-4108-AA02-DFA0A04FC94B}">
-                  <ma14:wrappingTextBoxFlag xmlns="" xmlns:m="http://schemas.openxmlformats.org/officeDocument/2006/math" xmlns:a14="http://schemas.microsoft.com/office/drawing/2010/main" xmlns:ma14="http://schemas.microsoft.com/office/mac/drawingml/2011/main" val="1"/>
+                  <ma14:wrappingTextBoxFlag xmlns:ma14="http://schemas.microsoft.com/office/mac/drawingml/2011/main" xmlns:a14="http://schemas.microsoft.com/office/drawing/2010/main" xmlns:m="http://schemas.openxmlformats.org/officeDocument/2006/math" xmlns="" val="1"/>
                 </a:ext>
               </a:extLst>
             </p:spPr>
@@ -15663,7 +15715,7 @@
               <a:effectLst/>
               <a:extLst>
                 <a:ext uri="{C572A759-6A51-4108-AA02-DFA0A04FC94B}">
-                  <ma14:wrappingTextBoxFlag xmlns="" xmlns:m="http://schemas.openxmlformats.org/officeDocument/2006/math" xmlns:a14="http://schemas.microsoft.com/office/drawing/2010/main" xmlns:ma14="http://schemas.microsoft.com/office/mac/drawingml/2011/main" val="1"/>
+                  <ma14:wrappingTextBoxFlag xmlns:ma14="http://schemas.microsoft.com/office/mac/drawingml/2011/main" xmlns:a14="http://schemas.microsoft.com/office/drawing/2010/main" xmlns:m="http://schemas.openxmlformats.org/officeDocument/2006/math" xmlns="" val="1"/>
                 </a:ext>
               </a:extLst>
             </p:spPr>
@@ -15856,7 +15908,7 @@
               <a:effectLst/>
               <a:extLst>
                 <a:ext uri="{C572A759-6A51-4108-AA02-DFA0A04FC94B}">
-                  <ma14:wrappingTextBoxFlag xmlns="" xmlns:m="http://schemas.openxmlformats.org/officeDocument/2006/math" xmlns:a14="http://schemas.microsoft.com/office/drawing/2010/main" xmlns:ma14="http://schemas.microsoft.com/office/mac/drawingml/2011/main" val="1"/>
+                  <ma14:wrappingTextBoxFlag xmlns:ma14="http://schemas.microsoft.com/office/mac/drawingml/2011/main" xmlns:a14="http://schemas.microsoft.com/office/drawing/2010/main" xmlns:m="http://schemas.openxmlformats.org/officeDocument/2006/math" xmlns="" val="1"/>
                 </a:ext>
               </a:extLst>
             </p:spPr>
@@ -16071,7 +16123,7 @@
               <a:effectLst/>
               <a:extLst>
                 <a:ext uri="{C572A759-6A51-4108-AA02-DFA0A04FC94B}">
-                  <ma14:wrappingTextBoxFlag xmlns="" xmlns:m="http://schemas.openxmlformats.org/officeDocument/2006/math" xmlns:a14="http://schemas.microsoft.com/office/drawing/2010/main" xmlns:ma14="http://schemas.microsoft.com/office/mac/drawingml/2011/main" val="1"/>
+                  <ma14:wrappingTextBoxFlag xmlns:ma14="http://schemas.microsoft.com/office/mac/drawingml/2011/main" xmlns:a14="http://schemas.microsoft.com/office/drawing/2010/main" xmlns:m="http://schemas.openxmlformats.org/officeDocument/2006/math" xmlns="" val="1"/>
                 </a:ext>
               </a:extLst>
             </p:spPr>
@@ -20638,7 +20690,7 @@
               <a:effectLst/>
               <a:extLst>
                 <a:ext uri="{C572A759-6A51-4108-AA02-DFA0A04FC94B}">
-                  <ma14:wrappingTextBoxFlag xmlns="" xmlns:m="http://schemas.openxmlformats.org/officeDocument/2006/math" xmlns:a14="http://schemas.microsoft.com/office/drawing/2010/main" xmlns:ma14="http://schemas.microsoft.com/office/mac/drawingml/2011/main" val="1"/>
+                  <ma14:wrappingTextBoxFlag xmlns:ma14="http://schemas.microsoft.com/office/mac/drawingml/2011/main" xmlns:a14="http://schemas.microsoft.com/office/drawing/2010/main" xmlns:m="http://schemas.openxmlformats.org/officeDocument/2006/math" xmlns="" val="1"/>
                 </a:ext>
               </a:extLst>
             </p:spPr>
@@ -20828,7 +20880,7 @@
               <a:effectLst/>
               <a:extLst>
                 <a:ext uri="{C572A759-6A51-4108-AA02-DFA0A04FC94B}">
-                  <ma14:wrappingTextBoxFlag xmlns="" xmlns:m="http://schemas.openxmlformats.org/officeDocument/2006/math" xmlns:a14="http://schemas.microsoft.com/office/drawing/2010/main" xmlns:ma14="http://schemas.microsoft.com/office/mac/drawingml/2011/main" val="1"/>
+                  <ma14:wrappingTextBoxFlag xmlns:ma14="http://schemas.microsoft.com/office/mac/drawingml/2011/main" xmlns:a14="http://schemas.microsoft.com/office/drawing/2010/main" xmlns:m="http://schemas.openxmlformats.org/officeDocument/2006/math" xmlns="" val="1"/>
                 </a:ext>
               </a:extLst>
             </p:spPr>
@@ -21043,7 +21095,7 @@
               <a:effectLst/>
               <a:extLst>
                 <a:ext uri="{C572A759-6A51-4108-AA02-DFA0A04FC94B}">
-                  <ma14:wrappingTextBoxFlag xmlns="" xmlns:m="http://schemas.openxmlformats.org/officeDocument/2006/math" xmlns:a14="http://schemas.microsoft.com/office/drawing/2010/main" xmlns:ma14="http://schemas.microsoft.com/office/mac/drawingml/2011/main" val="1"/>
+                  <ma14:wrappingTextBoxFlag xmlns:ma14="http://schemas.microsoft.com/office/mac/drawingml/2011/main" xmlns:a14="http://schemas.microsoft.com/office/drawing/2010/main" xmlns:m="http://schemas.openxmlformats.org/officeDocument/2006/math" xmlns="" val="1"/>
                 </a:ext>
               </a:extLst>
             </p:spPr>
@@ -31228,7 +31280,7 @@
               <a:effectLst/>
               <a:extLst>
                 <a:ext uri="{C572A759-6A51-4108-AA02-DFA0A04FC94B}">
-                  <ma14:wrappingTextBoxFlag xmlns="" xmlns:m="http://schemas.openxmlformats.org/officeDocument/2006/math" xmlns:a14="http://schemas.microsoft.com/office/drawing/2010/main" xmlns:ma14="http://schemas.microsoft.com/office/mac/drawingml/2011/main" val="1"/>
+                  <ma14:wrappingTextBoxFlag xmlns:ma14="http://schemas.microsoft.com/office/mac/drawingml/2011/main" xmlns:a14="http://schemas.microsoft.com/office/drawing/2010/main" xmlns:m="http://schemas.openxmlformats.org/officeDocument/2006/math" xmlns="" val="1"/>
                 </a:ext>
               </a:extLst>
             </p:spPr>
@@ -31418,7 +31470,7 @@
               <a:effectLst/>
               <a:extLst>
                 <a:ext uri="{C572A759-6A51-4108-AA02-DFA0A04FC94B}">
-                  <ma14:wrappingTextBoxFlag xmlns="" xmlns:m="http://schemas.openxmlformats.org/officeDocument/2006/math" xmlns:a14="http://schemas.microsoft.com/office/drawing/2010/main" xmlns:ma14="http://schemas.microsoft.com/office/mac/drawingml/2011/main" val="1"/>
+                  <ma14:wrappingTextBoxFlag xmlns:ma14="http://schemas.microsoft.com/office/mac/drawingml/2011/main" xmlns:a14="http://schemas.microsoft.com/office/drawing/2010/main" xmlns:m="http://schemas.openxmlformats.org/officeDocument/2006/math" xmlns="" val="1"/>
                 </a:ext>
               </a:extLst>
             </p:spPr>
@@ -31633,7 +31685,7 @@
               <a:effectLst/>
               <a:extLst>
                 <a:ext uri="{C572A759-6A51-4108-AA02-DFA0A04FC94B}">
-                  <ma14:wrappingTextBoxFlag xmlns="" xmlns:m="http://schemas.openxmlformats.org/officeDocument/2006/math" xmlns:a14="http://schemas.microsoft.com/office/drawing/2010/main" xmlns:ma14="http://schemas.microsoft.com/office/mac/drawingml/2011/main" val="1"/>
+                  <ma14:wrappingTextBoxFlag xmlns:ma14="http://schemas.microsoft.com/office/mac/drawingml/2011/main" xmlns:a14="http://schemas.microsoft.com/office/drawing/2010/main" xmlns:m="http://schemas.openxmlformats.org/officeDocument/2006/math" xmlns="" val="1"/>
                 </a:ext>
               </a:extLst>
             </p:spPr>
